--- a/.lessons (az)/62 Cache, Cookie, LocalStorage, SessionStorage/1 Cache, Cookie, LocalStorage, SessionStorage.pptx
+++ b/.lessons (az)/62 Cache, Cookie, LocalStorage, SessionStorage/1 Cache, Cookie, LocalStorage, SessionStorage.pptx
@@ -13380,7 +13380,7 @@
         <p:spPr>
           <a:xfrm>
             <a:off x="107004" y="158874"/>
-            <a:ext cx="11984477" cy="584775"/>
+            <a:ext cx="11984477" cy="3046988"/>
           </a:xfrm>
           <a:prstGeom prst="rect">
             <a:avLst/>
@@ -13413,6 +13413,92 @@
                 <a:latin typeface="Udemy Sans"/>
               </a:rPr>
               <a:t>Tester kimi veb saytı test etdikdə keş və buna bənzər yaddaşda yer tutan məlumatları hər dəfə sıfırlamaq lazımdır. Əks halda köhnə məlumatlar yadda qaldığı üçün yenilərini görə bilmərik.</a:t>
+            </a:r>
+          </a:p>
+          <a:p>
+            <a:pPr algn="l"/>
+            <a:endParaRPr lang="az-Latn-AZ" sz="1600">
+              <a:solidFill>
+                <a:srgbClr val="303141"/>
+              </a:solidFill>
+              <a:latin typeface="Udemy Sans"/>
+            </a:endParaRPr>
+          </a:p>
+          <a:p>
+            <a:pPr algn="l"/>
+            <a:endParaRPr lang="az-Latn-AZ" sz="1600" b="0" i="0">
+              <a:solidFill>
+                <a:srgbClr val="303141"/>
+              </a:solidFill>
+              <a:effectLst/>
+              <a:latin typeface="Udemy Sans"/>
+            </a:endParaRPr>
+          </a:p>
+          <a:p>
+            <a:pPr algn="l"/>
+            <a:r>
+              <a:rPr lang="az-Latn-AZ" sz="1600">
+                <a:solidFill>
+                  <a:srgbClr val="303141"/>
+                </a:solidFill>
+                <a:latin typeface="Udemy Sans"/>
+              </a:rPr>
+              <a:t>Brazuerdə bu təmizliyi etmək üçün f12 düyməsini basraq devtools pəncərəsindən Application və.s kimi bölmələrə daxil olmaq və orada clear storage, clear cache və.s kimi düymələri tapmaq lazımdır. </a:t>
+            </a:r>
+          </a:p>
+          <a:p>
+            <a:pPr algn="l"/>
+            <a:endParaRPr lang="az-Latn-AZ" sz="1600" b="0" i="0">
+              <a:solidFill>
+                <a:srgbClr val="303141"/>
+              </a:solidFill>
+              <a:effectLst/>
+              <a:latin typeface="Udemy Sans"/>
+            </a:endParaRPr>
+          </a:p>
+          <a:p>
+            <a:pPr algn="l"/>
+            <a:r>
+              <a:rPr lang="az-Latn-AZ" sz="1600">
+                <a:solidFill>
+                  <a:srgbClr val="303141"/>
+                </a:solidFill>
+                <a:latin typeface="Udemy Sans"/>
+              </a:rPr>
+              <a:t>Yaxud səhifəni yenilə düyməsi üzərində mausun sağ düyməsini basmaq və clear sözü ilə başlayan yazını klikləmək lazımdır. </a:t>
+            </a:r>
+            <a:br>
+              <a:rPr lang="az-Latn-AZ" sz="1600">
+                <a:solidFill>
+                  <a:srgbClr val="303141"/>
+                </a:solidFill>
+                <a:latin typeface="Udemy Sans"/>
+              </a:rPr>
+            </a:br>
+            <a:br>
+              <a:rPr lang="az-Latn-AZ" sz="1600">
+                <a:solidFill>
+                  <a:srgbClr val="303141"/>
+                </a:solidFill>
+                <a:latin typeface="Udemy Sans"/>
+              </a:rPr>
+            </a:br>
+            <a:br>
+              <a:rPr lang="az-Latn-AZ" sz="1600">
+                <a:solidFill>
+                  <a:srgbClr val="303141"/>
+                </a:solidFill>
+                <a:latin typeface="Udemy Sans"/>
+              </a:rPr>
+            </a:br>
+            <a:r>
+              <a:rPr lang="az-Latn-AZ" sz="1600">
+                <a:solidFill>
+                  <a:srgbClr val="303141"/>
+                </a:solidFill>
+                <a:latin typeface="Udemy Sans"/>
+              </a:rPr>
+              <a:t>NOT: bu düymələrin yaxud yazıların yeri müəyyən vaxtdan bir dəyişdirilə bilər. Çünki proqramı yaradanlar hər dəfə proqramı yenilədikdə tətbiqin qrafiki üzərində oynayırlar....</a:t>
             </a:r>
             <a:endParaRPr lang="ru-RU" sz="1600" b="0" i="0">
               <a:solidFill>
